--- a/Final-presentation.pptx
+++ b/Final-presentation.pptx
@@ -142,6 +142,9 @@
           </p14:sldIdLst>
         </p14:section>
       </p14:sectionLst>
+    </p:ext>
+    <p:ext uri="{EFAFB233-063F-42B5-8137-9DF3F51BA10A}">
+      <p15:sldGuideLst xmlns:p15="http://schemas.microsoft.com/office/powerpoint/2012/main"/>
     </p:ext>
   </p:extLst>
 </p:presentation>
@@ -5655,19 +5658,6 @@
               </a:rPr>
               <a:t>Read data and parse to standard format, train the model, compute accuracy:</a:t>
             </a:r>
-            <a:endParaRPr lang="en-US" sz="2800" b="0" cap="none" spc="0" dirty="0">
-              <a:ln w="0"/>
-              <a:solidFill>
-                <a:schemeClr val="accent1"/>
-              </a:solidFill>
-              <a:effectLst>
-                <a:outerShdw blurRad="38100" dist="25400" dir="5400000" algn="ctr" rotWithShape="0">
-                  <a:srgbClr val="6E747A">
-                    <a:alpha val="43000"/>
-                  </a:srgbClr>
-                </a:outerShdw>
-              </a:effectLst>
-            </a:endParaRPr>
           </a:p>
         </p:txBody>
       </p:sp>
@@ -5713,14 +5703,14 @@
       </p:sp>
       <p:sp>
         <p:nvSpPr>
-          <p:cNvPr id="10" name="Rectangle 9"/>
+          <p:cNvPr id="11" name="Rectangle 10"/>
           <p:cNvSpPr/>
           <p:nvPr/>
         </p:nvSpPr>
         <p:spPr>
           <a:xfrm>
-            <a:off x="8276528" y="4839538"/>
-            <a:ext cx="2778326" cy="923330"/>
+            <a:off x="8173892" y="4816391"/>
+            <a:ext cx="2778325" cy="923330"/>
           </a:xfrm>
           <a:prstGeom prst="rect">
             <a:avLst/>
@@ -5735,7 +5725,7 @@
           <a:p>
             <a:pPr algn="ctr"/>
             <a:r>
-              <a:rPr lang="en-US" sz="5400" b="1" smtClean="0">
+              <a:rPr lang="en-US" sz="5400" b="1" dirty="0" smtClean="0">
                 <a:ln w="9525">
                   <a:solidFill>
                     <a:schemeClr val="bg1"/>
@@ -5750,7 +5740,25 @@
                   </a:outerShdw>
                 </a:effectLst>
               </a:rPr>
-              <a:t>69.997%</a:t>
+              <a:t>70.449</a:t>
+            </a:r>
+            <a:r>
+              <a:rPr lang="en-US" sz="5400" b="1" dirty="0" smtClean="0">
+                <a:ln w="9525">
+                  <a:solidFill>
+                    <a:schemeClr val="bg1"/>
+                  </a:solidFill>
+                  <a:prstDash val="solid"/>
+                </a:ln>
+                <a:effectLst>
+                  <a:outerShdw blurRad="12700" dist="38100" dir="2700000" algn="tl" rotWithShape="0">
+                    <a:schemeClr val="bg1">
+                      <a:lumMod val="50000"/>
+                    </a:schemeClr>
+                  </a:outerShdw>
+                </a:effectLst>
+              </a:rPr>
+              <a:t>%</a:t>
             </a:r>
             <a:endParaRPr lang="en-US" sz="5400" b="1" cap="none" spc="0" dirty="0">
               <a:ln w="9525">
@@ -8072,23 +8080,7 @@
                   </a:outerShdw>
                 </a:effectLst>
               </a:rPr>
-              <a:t>Set label for Police(0) and Medical(1) data</a:t>
-            </a:r>
-            <a:r>
-              <a:rPr lang="en-US" sz="2400" dirty="0">
-                <a:ln w="0"/>
-                <a:solidFill>
-                  <a:schemeClr val="accent1"/>
-                </a:solidFill>
-                <a:effectLst>
-                  <a:outerShdw blurRad="38100" dist="25400" dir="5400000" algn="ctr" rotWithShape="0">
-                    <a:srgbClr val="6E747A">
-                      <a:alpha val="43000"/>
-                    </a:srgbClr>
-                  </a:outerShdw>
-                </a:effectLst>
-              </a:rPr>
-              <a:t> </a:t>
+              <a:t>Set label for Police(0) and Medical(1) data </a:t>
             </a:r>
           </a:p>
         </p:txBody>

--- a/Final-presentation.pptx
+++ b/Final-presentation.pptx
@@ -5740,25 +5740,7 @@
                   </a:outerShdw>
                 </a:effectLst>
               </a:rPr>
-              <a:t>70.449</a:t>
-            </a:r>
-            <a:r>
-              <a:rPr lang="en-US" sz="5400" b="1" dirty="0" smtClean="0">
-                <a:ln w="9525">
-                  <a:solidFill>
-                    <a:schemeClr val="bg1"/>
-                  </a:solidFill>
-                  <a:prstDash val="solid"/>
-                </a:ln>
-                <a:effectLst>
-                  <a:outerShdw blurRad="12700" dist="38100" dir="2700000" algn="tl" rotWithShape="0">
-                    <a:schemeClr val="bg1">
-                      <a:lumMod val="50000"/>
-                    </a:schemeClr>
-                  </a:outerShdw>
-                </a:effectLst>
-              </a:rPr>
-              <a:t>%</a:t>
+              <a:t>70.449%</a:t>
             </a:r>
             <a:endParaRPr lang="en-US" sz="5400" b="1" cap="none" spc="0" dirty="0">
               <a:ln w="9525">
@@ -7237,8 +7219,8 @@
         </p:blipFill>
         <p:spPr>
           <a:xfrm>
-            <a:off x="1114231" y="2039273"/>
-            <a:ext cx="10277969" cy="4477273"/>
+            <a:off x="1451579" y="2014890"/>
+            <a:ext cx="9603275" cy="4071510"/>
           </a:xfrm>
         </p:spPr>
       </p:pic>
@@ -7343,6 +7325,54 @@
           </a:p>
         </p:txBody>
       </p:sp>
+      <p:pic>
+        <p:nvPicPr>
+          <p:cNvPr id="2" name="Picture 1"/>
+          <p:cNvPicPr>
+            <a:picLocks noChangeAspect="1"/>
+          </p:cNvPicPr>
+          <p:nvPr/>
+        </p:nvPicPr>
+        <p:blipFill>
+          <a:blip r:embed="rId2"/>
+          <a:stretch>
+            <a:fillRect/>
+          </a:stretch>
+        </p:blipFill>
+        <p:spPr>
+          <a:xfrm>
+            <a:off x="1451579" y="3584448"/>
+            <a:ext cx="3874261" cy="2377440"/>
+          </a:xfrm>
+          <a:prstGeom prst="rect">
+            <a:avLst/>
+          </a:prstGeom>
+        </p:spPr>
+      </p:pic>
+      <p:pic>
+        <p:nvPicPr>
+          <p:cNvPr id="3" name="Picture 2"/>
+          <p:cNvPicPr>
+            <a:picLocks noChangeAspect="1"/>
+          </p:cNvPicPr>
+          <p:nvPr/>
+        </p:nvPicPr>
+        <p:blipFill>
+          <a:blip r:embed="rId3"/>
+          <a:stretch>
+            <a:fillRect/>
+          </a:stretch>
+        </p:blipFill>
+        <p:spPr>
+          <a:xfrm>
+            <a:off x="6172773" y="3584448"/>
+            <a:ext cx="4056316" cy="2418397"/>
+          </a:xfrm>
+          <a:prstGeom prst="rect">
+            <a:avLst/>
+          </a:prstGeom>
+        </p:spPr>
+      </p:pic>
     </p:spTree>
     <p:extLst>
       <p:ext uri="{BB962C8B-B14F-4D97-AF65-F5344CB8AC3E}">

--- a/Final-presentation.pptx
+++ b/Final-presentation.pptx
@@ -7013,6 +7013,120 @@
               <a:t>Will map the same job title together</a:t>
             </a:r>
             <a:endParaRPr lang="en-US" dirty="0"/>
+          </a:p>
+        </p:txBody>
+      </p:sp>
+      <p:sp>
+        <p:nvSpPr>
+          <p:cNvPr id="5" name="Frame 4"/>
+          <p:cNvSpPr/>
+          <p:nvPr/>
+        </p:nvSpPr>
+        <p:spPr>
+          <a:xfrm>
+            <a:off x="1353312" y="2791968"/>
+            <a:ext cx="1975104" cy="597408"/>
+          </a:xfrm>
+          <a:prstGeom prst="frame">
+            <a:avLst/>
+          </a:prstGeom>
+        </p:spPr>
+        <p:style>
+          <a:lnRef idx="2">
+            <a:schemeClr val="accent1">
+              <a:shade val="50000"/>
+            </a:schemeClr>
+          </a:lnRef>
+          <a:fillRef idx="1">
+            <a:schemeClr val="accent1"/>
+          </a:fillRef>
+          <a:effectRef idx="0">
+            <a:schemeClr val="accent1"/>
+          </a:effectRef>
+          <a:fontRef idx="minor">
+            <a:schemeClr val="lt1"/>
+          </a:fontRef>
+        </p:style>
+        <p:txBody>
+          <a:bodyPr rtlCol="0" anchor="ctr"/>
+          <a:lstStyle/>
+          <a:p>
+            <a:pPr algn="ctr"/>
+            <a:endParaRPr lang="en-US">
+              <a:solidFill>
+                <a:schemeClr val="tx1"/>
+              </a:solidFill>
+            </a:endParaRPr>
+          </a:p>
+        </p:txBody>
+      </p:sp>
+      <p:sp>
+        <p:nvSpPr>
+          <p:cNvPr id="12" name="TextBox 11"/>
+          <p:cNvSpPr txBox="1"/>
+          <p:nvPr/>
+        </p:nvSpPr>
+        <p:spPr>
+          <a:xfrm>
+            <a:off x="-41941" y="2798552"/>
+            <a:ext cx="1255045" cy="369332"/>
+          </a:xfrm>
+          <a:prstGeom prst="rect">
+            <a:avLst/>
+          </a:prstGeom>
+          <a:noFill/>
+        </p:spPr>
+        <p:txBody>
+          <a:bodyPr wrap="square" rtlCol="0">
+            <a:spAutoFit/>
+          </a:bodyPr>
+          <a:lstStyle/>
+          <a:p>
+            <a:r>
+              <a:rPr lang="en-US" dirty="0" smtClean="0"/>
+              <a:t>Same data</a:t>
+            </a:r>
+            <a:endParaRPr lang="en-US" dirty="0"/>
+          </a:p>
+        </p:txBody>
+      </p:sp>
+      <p:sp>
+        <p:nvSpPr>
+          <p:cNvPr id="16" name="Left Arrow 15"/>
+          <p:cNvSpPr/>
+          <p:nvPr/>
+        </p:nvSpPr>
+        <p:spPr>
+          <a:xfrm>
+            <a:off x="1011936" y="2889504"/>
+            <a:ext cx="341376" cy="201168"/>
+          </a:xfrm>
+          <a:prstGeom prst="leftArrow">
+            <a:avLst/>
+          </a:prstGeom>
+        </p:spPr>
+        <p:style>
+          <a:lnRef idx="2">
+            <a:schemeClr val="accent1">
+              <a:shade val="50000"/>
+            </a:schemeClr>
+          </a:lnRef>
+          <a:fillRef idx="1">
+            <a:schemeClr val="accent1"/>
+          </a:fillRef>
+          <a:effectRef idx="0">
+            <a:schemeClr val="accent1"/>
+          </a:effectRef>
+          <a:fontRef idx="minor">
+            <a:schemeClr val="lt1"/>
+          </a:fontRef>
+        </p:style>
+        <p:txBody>
+          <a:bodyPr rtlCol="0" anchor="ctr"/>
+          <a:lstStyle/>
+          <a:p>
+            <a:pPr algn="ctr"/>
+            <a:endParaRPr lang="en-US"/>
           </a:p>
         </p:txBody>
       </p:sp>

--- a/Final-presentation.pptx
+++ b/Final-presentation.pptx
@@ -6837,14 +6837,30 @@
             <a:pPr algn="ctr"/>
             <a:r>
               <a:rPr lang="en-US" altLang="en-US" cap="none" dirty="0" smtClean="0"/>
-              <a:t>Goals One </a:t>
+              <a:t>Goal </a:t>
+            </a:r>
+            <a:r>
+              <a:rPr lang="en-US" altLang="en-US" cap="none" dirty="0" smtClean="0"/>
+              <a:t>One </a:t>
             </a:r>
             <a:br>
               <a:rPr lang="en-US" altLang="en-US" cap="none" dirty="0" smtClean="0"/>
             </a:br>
             <a:r>
               <a:rPr lang="en-US" altLang="en-US" cap="none" dirty="0" smtClean="0"/>
-              <a:t>Divide Different Wages Level By Occupation</a:t>
+              <a:t>Divide Different Wages Level By </a:t>
+            </a:r>
+            <a:r>
+              <a:rPr lang="en-US" altLang="en-US" cap="none" smtClean="0"/>
+              <a:t>Occupation By </a:t>
+            </a:r>
+            <a:r>
+              <a:rPr lang="en-US" altLang="en-US" cap="none" dirty="0"/>
+              <a:t>Y</a:t>
+            </a:r>
+            <a:r>
+              <a:rPr lang="en-US" altLang="en-US" cap="none" dirty="0" smtClean="0"/>
+              <a:t>ear</a:t>
             </a:r>
             <a:endParaRPr lang="en-US" altLang="en-US" cap="none" dirty="0"/>
           </a:p>
@@ -7068,8 +7084,8 @@
         </p:nvSpPr>
         <p:spPr>
           <a:xfrm>
-            <a:off x="-41941" y="2798552"/>
-            <a:ext cx="1255045" cy="369332"/>
+            <a:off x="-91074" y="2607302"/>
+            <a:ext cx="1493520" cy="369332"/>
           </a:xfrm>
           <a:prstGeom prst="rect">
             <a:avLst/>
@@ -7083,8 +7099,12 @@
           <a:lstStyle/>
           <a:p>
             <a:r>
+              <a:rPr lang="en-US" smtClean="0"/>
+              <a:t>Same job </a:t>
+            </a:r>
+            <a:r>
               <a:rPr lang="en-US" dirty="0" smtClean="0"/>
-              <a:t>Same data</a:t>
+              <a:t>title</a:t>
             </a:r>
             <a:endParaRPr lang="en-US" dirty="0"/>
           </a:p>
@@ -7190,7 +7210,11 @@
             <a:pPr algn="ctr"/>
             <a:r>
               <a:rPr lang="en-US" altLang="en-US" cap="none" dirty="0" smtClean="0"/>
-              <a:t>Goals Two </a:t>
+              <a:t>Goal </a:t>
+            </a:r>
+            <a:r>
+              <a:rPr lang="en-US" altLang="en-US" cap="none" dirty="0" smtClean="0"/>
+              <a:t>Two </a:t>
             </a:r>
             <a:br>
               <a:rPr lang="en-US" altLang="en-US" cap="none" dirty="0" smtClean="0"/>
@@ -7292,7 +7316,11 @@
             <a:pPr algn="ctr"/>
             <a:r>
               <a:rPr lang="en-US" altLang="en-US" cap="none" dirty="0" smtClean="0"/>
-              <a:t>Goals Three</a:t>
+              <a:t>Goal </a:t>
+            </a:r>
+            <a:r>
+              <a:rPr lang="en-US" altLang="en-US" cap="none" dirty="0" smtClean="0"/>
+              <a:t>Three</a:t>
             </a:r>
             <a:br>
               <a:rPr lang="en-US" altLang="en-US" cap="none" dirty="0" smtClean="0"/>
